--- a/SDD 관련 자료/작업 결과물/프로그램 구조도(트랜스폼, 트랜젝션)/강의평가 질문 수정.pptx
+++ b/SDD 관련 자료/작업 결과물/프로그램 구조도(트랜스폼, 트랜젝션)/강의평가 질문 수정.pptx
@@ -4260,7 +4260,7 @@
         </p:nvSpPr>
         <p:spPr>
           <a:xfrm>
-            <a:off x="1677179" y="4506509"/>
+            <a:off x="417755" y="5881518"/>
             <a:ext cx="1524000" cy="789709"/>
           </a:xfrm>
           <a:prstGeom prst="rect">
@@ -4329,15 +4329,14 @@
         <p:nvCxnSpPr>
           <p:cNvPr id="50" name="직선 화살표 연결선 49"/>
           <p:cNvCxnSpPr>
-            <a:stCxn id="5" idx="2"/>
             <a:endCxn id="49" idx="0"/>
           </p:cNvCxnSpPr>
           <p:nvPr/>
         </p:nvCxnSpPr>
         <p:spPr>
-          <a:xfrm>
-            <a:off x="1350819" y="2621972"/>
-            <a:ext cx="1088360" cy="1884537"/>
+          <a:xfrm flipH="1">
+            <a:off x="1179755" y="3683110"/>
+            <a:ext cx="3925810" cy="2198408"/>
           </a:xfrm>
           <a:prstGeom prst="straightConnector1">
             <a:avLst/>
@@ -4368,8 +4367,8 @@
           <p:nvPr/>
         </p:nvGrpSpPr>
         <p:grpSpPr>
-          <a:xfrm rot="11641904">
-            <a:off x="1866302" y="3304456"/>
+          <a:xfrm rot="17174020">
+            <a:off x="2242163" y="4706432"/>
             <a:ext cx="465295" cy="429840"/>
             <a:chOff x="5764817" y="2081712"/>
             <a:chExt cx="465295" cy="429840"/>
@@ -4464,8 +4463,8 @@
           <p:nvPr/>
         </p:nvSpPr>
         <p:spPr>
-          <a:xfrm rot="3344632">
-            <a:off x="1908482" y="3232368"/>
+          <a:xfrm rot="19869793">
+            <a:off x="1761002" y="4455822"/>
             <a:ext cx="1044462" cy="400110"/>
           </a:xfrm>
           <a:prstGeom prst="rect">
@@ -4873,7 +4872,7 @@
         </p:nvGrpSpPr>
         <p:grpSpPr>
           <a:xfrm rot="5400000">
-            <a:off x="4358539" y="4189991"/>
+            <a:off x="3934697" y="4579586"/>
             <a:ext cx="465295" cy="429840"/>
             <a:chOff x="5764817" y="2081712"/>
             <a:chExt cx="465295" cy="429840"/>
@@ -4969,7 +4968,7 @@
         </p:nvGrpSpPr>
         <p:grpSpPr>
           <a:xfrm rot="5400000">
-            <a:off x="3554376" y="4889925"/>
+            <a:off x="3269426" y="5209208"/>
             <a:ext cx="465295" cy="429840"/>
             <a:chOff x="5764817" y="2081712"/>
             <a:chExt cx="465295" cy="429840"/>
@@ -5065,7 +5064,7 @@
         </p:nvSpPr>
         <p:spPr>
           <a:xfrm rot="18807714">
-            <a:off x="3503821" y="3963536"/>
+            <a:off x="3136566" y="4397730"/>
             <a:ext cx="1702075" cy="400110"/>
           </a:xfrm>
           <a:prstGeom prst="rect">
@@ -5103,7 +5102,7 @@
         </p:nvSpPr>
         <p:spPr>
           <a:xfrm rot="18769496">
-            <a:off x="2717755" y="4672143"/>
+            <a:off x="2431870" y="5013763"/>
             <a:ext cx="1771179" cy="400110"/>
           </a:xfrm>
           <a:prstGeom prst="rect">

--- a/SDD 관련 자료/작업 결과물/프로그램 구조도(트랜스폼, 트랜젝션)/강의평가 질문 수정.pptx
+++ b/SDD 관련 자료/작업 결과물/프로그램 구조도(트랜스폼, 트랜젝션)/강의평가 질문 수정.pptx
@@ -241,7 +241,7 @@
           <a:p>
             <a:fld id="{3986BE0A-BBFD-44DD-968D-54267A93D188}" type="datetimeFigureOut">
               <a:rPr lang="ko-KR" altLang="en-US" smtClean="0"/>
-              <a:t>2016-05-30</a:t>
+              <a:t>2016-05-31</a:t>
             </a:fld>
             <a:endParaRPr lang="ko-KR" altLang="en-US"/>
           </a:p>
@@ -409,7 +409,7 @@
           <a:p>
             <a:fld id="{3986BE0A-BBFD-44DD-968D-54267A93D188}" type="datetimeFigureOut">
               <a:rPr lang="ko-KR" altLang="en-US" smtClean="0"/>
-              <a:t>2016-05-30</a:t>
+              <a:t>2016-05-31</a:t>
             </a:fld>
             <a:endParaRPr lang="ko-KR" altLang="en-US"/>
           </a:p>
@@ -587,7 +587,7 @@
           <a:p>
             <a:fld id="{3986BE0A-BBFD-44DD-968D-54267A93D188}" type="datetimeFigureOut">
               <a:rPr lang="ko-KR" altLang="en-US" smtClean="0"/>
-              <a:t>2016-05-30</a:t>
+              <a:t>2016-05-31</a:t>
             </a:fld>
             <a:endParaRPr lang="ko-KR" altLang="en-US"/>
           </a:p>
@@ -755,7 +755,7 @@
           <a:p>
             <a:fld id="{3986BE0A-BBFD-44DD-968D-54267A93D188}" type="datetimeFigureOut">
               <a:rPr lang="ko-KR" altLang="en-US" smtClean="0"/>
-              <a:t>2016-05-30</a:t>
+              <a:t>2016-05-31</a:t>
             </a:fld>
             <a:endParaRPr lang="ko-KR" altLang="en-US"/>
           </a:p>
@@ -1000,7 +1000,7 @@
           <a:p>
             <a:fld id="{3986BE0A-BBFD-44DD-968D-54267A93D188}" type="datetimeFigureOut">
               <a:rPr lang="ko-KR" altLang="en-US" smtClean="0"/>
-              <a:t>2016-05-30</a:t>
+              <a:t>2016-05-31</a:t>
             </a:fld>
             <a:endParaRPr lang="ko-KR" altLang="en-US"/>
           </a:p>
@@ -1229,7 +1229,7 @@
           <a:p>
             <a:fld id="{3986BE0A-BBFD-44DD-968D-54267A93D188}" type="datetimeFigureOut">
               <a:rPr lang="ko-KR" altLang="en-US" smtClean="0"/>
-              <a:t>2016-05-30</a:t>
+              <a:t>2016-05-31</a:t>
             </a:fld>
             <a:endParaRPr lang="ko-KR" altLang="en-US"/>
           </a:p>
@@ -1593,7 +1593,7 @@
           <a:p>
             <a:fld id="{3986BE0A-BBFD-44DD-968D-54267A93D188}" type="datetimeFigureOut">
               <a:rPr lang="ko-KR" altLang="en-US" smtClean="0"/>
-              <a:t>2016-05-30</a:t>
+              <a:t>2016-05-31</a:t>
             </a:fld>
             <a:endParaRPr lang="ko-KR" altLang="en-US"/>
           </a:p>
@@ -1710,7 +1710,7 @@
           <a:p>
             <a:fld id="{3986BE0A-BBFD-44DD-968D-54267A93D188}" type="datetimeFigureOut">
               <a:rPr lang="ko-KR" altLang="en-US" smtClean="0"/>
-              <a:t>2016-05-30</a:t>
+              <a:t>2016-05-31</a:t>
             </a:fld>
             <a:endParaRPr lang="ko-KR" altLang="en-US"/>
           </a:p>
@@ -1805,7 +1805,7 @@
           <a:p>
             <a:fld id="{3986BE0A-BBFD-44DD-968D-54267A93D188}" type="datetimeFigureOut">
               <a:rPr lang="ko-KR" altLang="en-US" smtClean="0"/>
-              <a:t>2016-05-30</a:t>
+              <a:t>2016-05-31</a:t>
             </a:fld>
             <a:endParaRPr lang="ko-KR" altLang="en-US"/>
           </a:p>
@@ -2080,7 +2080,7 @@
           <a:p>
             <a:fld id="{3986BE0A-BBFD-44DD-968D-54267A93D188}" type="datetimeFigureOut">
               <a:rPr lang="ko-KR" altLang="en-US" smtClean="0"/>
-              <a:t>2016-05-30</a:t>
+              <a:t>2016-05-31</a:t>
             </a:fld>
             <a:endParaRPr lang="ko-KR" altLang="en-US"/>
           </a:p>
@@ -2332,7 +2332,7 @@
           <a:p>
             <a:fld id="{3986BE0A-BBFD-44DD-968D-54267A93D188}" type="datetimeFigureOut">
               <a:rPr lang="ko-KR" altLang="en-US" smtClean="0"/>
-              <a:t>2016-05-30</a:t>
+              <a:t>2016-05-31</a:t>
             </a:fld>
             <a:endParaRPr lang="ko-KR" altLang="en-US"/>
           </a:p>
@@ -2543,7 +2543,7 @@
           <a:p>
             <a:fld id="{3986BE0A-BBFD-44DD-968D-54267A93D188}" type="datetimeFigureOut">
               <a:rPr lang="ko-KR" altLang="en-US" smtClean="0"/>
-              <a:t>2016-05-30</a:t>
+              <a:t>2016-05-31</a:t>
             </a:fld>
             <a:endParaRPr lang="ko-KR" altLang="en-US"/>
           </a:p>
@@ -4073,6 +4073,9 @@
             <a:chOff x="5764817" y="2081712"/>
             <a:chExt cx="465295" cy="429840"/>
           </a:xfrm>
+          <a:solidFill>
+            <a:schemeClr val="accent1"/>
+          </a:solidFill>
         </p:grpSpPr>
         <p:sp>
           <p:nvSpPr>
@@ -4088,7 +4091,7 @@
             <a:prstGeom prst="ellipse">
               <a:avLst/>
             </a:prstGeom>
-            <a:noFill/>
+            <a:grpFill/>
             <a:ln w="38100">
               <a:solidFill>
                 <a:schemeClr val="accent1"/>
@@ -4136,6 +4139,7 @@
             <a:prstGeom prst="line">
               <a:avLst/>
             </a:prstGeom>
+            <a:grpFill/>
             <a:ln w="38100">
               <a:headEnd type="stealth" w="lg" len="lg"/>
             </a:ln>
@@ -5140,7 +5144,7 @@
         </p:nvGrpSpPr>
         <p:grpSpPr>
           <a:xfrm rot="2312195">
-            <a:off x="5382882" y="4775747"/>
+            <a:off x="5405958" y="4945426"/>
             <a:ext cx="465295" cy="429840"/>
             <a:chOff x="5764817" y="2081712"/>
             <a:chExt cx="465295" cy="429840"/>
@@ -5236,7 +5240,7 @@
         </p:nvSpPr>
         <p:spPr>
           <a:xfrm rot="4814430">
-            <a:off x="4431075" y="4876055"/>
+            <a:off x="4474106" y="5060074"/>
             <a:ext cx="1771179" cy="246221"/>
           </a:xfrm>
           <a:prstGeom prst="rect">
@@ -5400,7 +5404,7 @@
         </p:nvGrpSpPr>
         <p:grpSpPr>
           <a:xfrm rot="13070857">
-            <a:off x="5689355" y="4686443"/>
+            <a:off x="5712390" y="4663769"/>
             <a:ext cx="465295" cy="429840"/>
             <a:chOff x="5764817" y="2081712"/>
             <a:chExt cx="465295" cy="429840"/>
@@ -5655,7 +5659,7 @@
           <p:nvPr/>
         </p:nvSpPr>
         <p:spPr>
-          <a:xfrm rot="460218">
+          <a:xfrm rot="972001">
             <a:off x="6526321" y="699542"/>
             <a:ext cx="1771179" cy="246221"/>
           </a:xfrm>
@@ -5673,7 +5677,7 @@
             <a:pPr algn="ctr"/>
             <a:r>
               <a:rPr lang="ko-KR" altLang="en-US" sz="1000" dirty="0"/>
-              <a:t>권한 확인 오류 정보</a:t>
+              <a:t>권한 확인 정보</a:t>
             </a:r>
           </a:p>
         </p:txBody>
@@ -5945,8 +5949,8 @@
           <p:nvPr/>
         </p:nvGrpSpPr>
         <p:grpSpPr>
-          <a:xfrm rot="10800000">
-            <a:off x="7059380" y="4508730"/>
+          <a:xfrm rot="16015997">
+            <a:off x="4681482" y="4397289"/>
             <a:ext cx="465295" cy="429840"/>
             <a:chOff x="5764817" y="2081712"/>
             <a:chExt cx="465295" cy="429840"/>
@@ -6043,8 +6047,8 @@
           <p:nvPr/>
         </p:nvSpPr>
         <p:spPr>
-          <a:xfrm rot="2419251">
-            <a:off x="6646714" y="4465796"/>
+          <a:xfrm rot="18910369">
+            <a:off x="4199609" y="4642786"/>
             <a:ext cx="1771179" cy="246221"/>
           </a:xfrm>
           <a:prstGeom prst="rect">
@@ -6202,8 +6206,8 @@
         </p:nvSpPr>
         <p:spPr>
           <a:xfrm rot="977810">
-            <a:off x="7641544" y="756015"/>
-            <a:ext cx="1771179" cy="400110"/>
+            <a:off x="7664966" y="902122"/>
+            <a:ext cx="1771179" cy="246221"/>
           </a:xfrm>
           <a:prstGeom prst="rect">
             <a:avLst/>
@@ -6219,15 +6223,7 @@
             <a:pPr algn="ctr"/>
             <a:r>
               <a:rPr lang="ko-KR" altLang="en-US" sz="1000" dirty="0"/>
-              <a:t>강의평가 질문 수정 </a:t>
-            </a:r>
-            <a:endParaRPr lang="en-US" altLang="ko-KR" sz="1000" dirty="0"/>
-          </a:p>
-          <a:p>
-            <a:pPr algn="ctr"/>
-            <a:r>
-              <a:rPr lang="ko-KR" altLang="en-US" sz="1000" dirty="0"/>
-              <a:t>결과 정보</a:t>
+              <a:t>질문 수정 결과 정보</a:t>
             </a:r>
           </a:p>
         </p:txBody>
@@ -6475,6 +6471,9 @@
             <a:chOff x="5764817" y="2081712"/>
             <a:chExt cx="465295" cy="429840"/>
           </a:xfrm>
+          <a:solidFill>
+            <a:schemeClr val="accent1"/>
+          </a:solidFill>
         </p:grpSpPr>
         <p:sp>
           <p:nvSpPr>
@@ -6490,7 +6489,7 @@
             <a:prstGeom prst="ellipse">
               <a:avLst/>
             </a:prstGeom>
-            <a:noFill/>
+            <a:grpFill/>
             <a:ln w="38100">
               <a:solidFill>
                 <a:schemeClr val="accent1"/>
@@ -6538,6 +6537,7 @@
             <a:prstGeom prst="line">
               <a:avLst/>
             </a:prstGeom>
+            <a:grpFill/>
             <a:ln w="38100">
               <a:headEnd type="stealth" w="lg" len="lg"/>
             </a:ln>
@@ -6680,6 +6680,134 @@
             <a:r>
               <a:rPr lang="ko-KR" altLang="en-US" sz="1000" dirty="0"/>
               <a:t>권한 확인 오류 정보</a:t>
+            </a:r>
+          </a:p>
+        </p:txBody>
+      </p:sp>
+      <p:grpSp>
+        <p:nvGrpSpPr>
+          <p:cNvPr id="109" name="그룹 108"/>
+          <p:cNvGrpSpPr/>
+          <p:nvPr/>
+        </p:nvGrpSpPr>
+        <p:grpSpPr>
+          <a:xfrm rot="7272931">
+            <a:off x="2458266" y="1511331"/>
+            <a:ext cx="465295" cy="429840"/>
+            <a:chOff x="5764817" y="2081712"/>
+            <a:chExt cx="465295" cy="429840"/>
+          </a:xfrm>
+        </p:grpSpPr>
+        <p:sp>
+          <p:nvSpPr>
+            <p:cNvPr id="111" name="타원 110"/>
+            <p:cNvSpPr/>
+            <p:nvPr/>
+          </p:nvSpPr>
+          <p:spPr>
+            <a:xfrm>
+              <a:off x="5764817" y="2081712"/>
+              <a:ext cx="254984" cy="254984"/>
+            </a:xfrm>
+            <a:prstGeom prst="ellipse">
+              <a:avLst/>
+            </a:prstGeom>
+            <a:solidFill>
+              <a:schemeClr val="accent1"/>
+            </a:solidFill>
+            <a:ln w="38100">
+              <a:solidFill>
+                <a:schemeClr val="accent1"/>
+              </a:solidFill>
+            </a:ln>
+          </p:spPr>
+          <p:style>
+            <a:lnRef idx="2">
+              <a:schemeClr val="accent1">
+                <a:shade val="50000"/>
+              </a:schemeClr>
+            </a:lnRef>
+            <a:fillRef idx="1">
+              <a:schemeClr val="accent1"/>
+            </a:fillRef>
+            <a:effectRef idx="0">
+              <a:schemeClr val="accent1"/>
+            </a:effectRef>
+            <a:fontRef idx="minor">
+              <a:schemeClr val="lt1"/>
+            </a:fontRef>
+          </p:style>
+          <p:txBody>
+            <a:bodyPr rtlCol="0" anchor="ctr"/>
+            <a:lstStyle/>
+            <a:p>
+              <a:pPr algn="ctr"/>
+              <a:endParaRPr lang="ko-KR" altLang="en-US"/>
+            </a:p>
+          </p:txBody>
+        </p:sp>
+        <p:cxnSp>
+          <p:nvCxnSpPr>
+            <p:cNvPr id="112" name="직선 연결선 111"/>
+            <p:cNvCxnSpPr>
+              <a:endCxn id="111" idx="5"/>
+            </p:cNvCxnSpPr>
+            <p:nvPr/>
+          </p:nvCxnSpPr>
+          <p:spPr>
+            <a:xfrm flipH="1" flipV="1">
+              <a:off x="5982459" y="2299354"/>
+              <a:ext cx="247653" cy="212198"/>
+            </a:xfrm>
+            <a:prstGeom prst="line">
+              <a:avLst/>
+            </a:prstGeom>
+            <a:ln w="38100">
+              <a:headEnd type="stealth" w="lg" len="lg"/>
+            </a:ln>
+          </p:spPr>
+          <p:style>
+            <a:lnRef idx="1">
+              <a:schemeClr val="accent1"/>
+            </a:lnRef>
+            <a:fillRef idx="0">
+              <a:schemeClr val="accent1"/>
+            </a:fillRef>
+            <a:effectRef idx="0">
+              <a:schemeClr val="accent1"/>
+            </a:effectRef>
+            <a:fontRef idx="minor">
+              <a:schemeClr val="tx1"/>
+            </a:fontRef>
+          </p:style>
+        </p:cxnSp>
+      </p:grpSp>
+      <p:sp>
+        <p:nvSpPr>
+          <p:cNvPr id="113" name="TextBox 112"/>
+          <p:cNvSpPr txBox="1"/>
+          <p:nvPr/>
+        </p:nvSpPr>
+        <p:spPr>
+          <a:xfrm rot="20878685">
+            <a:off x="2044589" y="1842857"/>
+            <a:ext cx="1771179" cy="246221"/>
+          </a:xfrm>
+          <a:prstGeom prst="rect">
+            <a:avLst/>
+          </a:prstGeom>
+          <a:noFill/>
+        </p:spPr>
+        <p:txBody>
+          <a:bodyPr wrap="square" rtlCol="0">
+            <a:spAutoFit/>
+          </a:bodyPr>
+          <a:lstStyle/>
+          <a:p>
+            <a:pPr algn="ctr"/>
+            <a:r>
+              <a:rPr lang="ko-KR" altLang="en-US" sz="1000" dirty="0"/>
+              <a:t>권한 확인 정보</a:t>
             </a:r>
           </a:p>
         </p:txBody>

--- a/SDD 관련 자료/작업 결과물/프로그램 구조도(트랜스폼, 트랜젝션)/강의평가 질문 수정.pptx
+++ b/SDD 관련 자료/작업 결과물/프로그램 구조도(트랜스폼, 트랜젝션)/강의평가 질문 수정.pptx
@@ -5519,7 +5519,7 @@
             <a:pPr algn="ctr"/>
             <a:r>
               <a:rPr lang="ko-KR" altLang="en-US" sz="1000" dirty="0"/>
-              <a:t>권한 확인 정보</a:t>
+              <a:t>권한 여부</a:t>
             </a:r>
           </a:p>
         </p:txBody>
@@ -5677,7 +5677,7 @@
             <a:pPr algn="ctr"/>
             <a:r>
               <a:rPr lang="ko-KR" altLang="en-US" sz="1000" dirty="0"/>
-              <a:t>권한 확인 정보</a:t>
+              <a:t>권한  여부</a:t>
             </a:r>
           </a:p>
         </p:txBody>
@@ -6065,7 +6065,7 @@
             <a:pPr algn="ctr"/>
             <a:r>
               <a:rPr lang="ko-KR" altLang="en-US" sz="1000" dirty="0"/>
-              <a:t>수정 결과 정보</a:t>
+              <a:t>수정 결과 여부</a:t>
             </a:r>
           </a:p>
         </p:txBody>
@@ -6223,7 +6223,7 @@
             <a:pPr algn="ctr"/>
             <a:r>
               <a:rPr lang="ko-KR" altLang="en-US" sz="1000" dirty="0"/>
-              <a:t>질문 수정 결과 정보</a:t>
+              <a:t>질문 수정 결과 여부</a:t>
             </a:r>
           </a:p>
         </p:txBody>
@@ -6680,134 +6680,6 @@
             <a:r>
               <a:rPr lang="ko-KR" altLang="en-US" sz="1000" dirty="0"/>
               <a:t>권한 확인 오류 정보</a:t>
-            </a:r>
-          </a:p>
-        </p:txBody>
-      </p:sp>
-      <p:grpSp>
-        <p:nvGrpSpPr>
-          <p:cNvPr id="109" name="그룹 108"/>
-          <p:cNvGrpSpPr/>
-          <p:nvPr/>
-        </p:nvGrpSpPr>
-        <p:grpSpPr>
-          <a:xfrm rot="7272931">
-            <a:off x="2458266" y="1511331"/>
-            <a:ext cx="465295" cy="429840"/>
-            <a:chOff x="5764817" y="2081712"/>
-            <a:chExt cx="465295" cy="429840"/>
-          </a:xfrm>
-        </p:grpSpPr>
-        <p:sp>
-          <p:nvSpPr>
-            <p:cNvPr id="111" name="타원 110"/>
-            <p:cNvSpPr/>
-            <p:nvPr/>
-          </p:nvSpPr>
-          <p:spPr>
-            <a:xfrm>
-              <a:off x="5764817" y="2081712"/>
-              <a:ext cx="254984" cy="254984"/>
-            </a:xfrm>
-            <a:prstGeom prst="ellipse">
-              <a:avLst/>
-            </a:prstGeom>
-            <a:solidFill>
-              <a:schemeClr val="accent1"/>
-            </a:solidFill>
-            <a:ln w="38100">
-              <a:solidFill>
-                <a:schemeClr val="accent1"/>
-              </a:solidFill>
-            </a:ln>
-          </p:spPr>
-          <p:style>
-            <a:lnRef idx="2">
-              <a:schemeClr val="accent1">
-                <a:shade val="50000"/>
-              </a:schemeClr>
-            </a:lnRef>
-            <a:fillRef idx="1">
-              <a:schemeClr val="accent1"/>
-            </a:fillRef>
-            <a:effectRef idx="0">
-              <a:schemeClr val="accent1"/>
-            </a:effectRef>
-            <a:fontRef idx="minor">
-              <a:schemeClr val="lt1"/>
-            </a:fontRef>
-          </p:style>
-          <p:txBody>
-            <a:bodyPr rtlCol="0" anchor="ctr"/>
-            <a:lstStyle/>
-            <a:p>
-              <a:pPr algn="ctr"/>
-              <a:endParaRPr lang="ko-KR" altLang="en-US"/>
-            </a:p>
-          </p:txBody>
-        </p:sp>
-        <p:cxnSp>
-          <p:nvCxnSpPr>
-            <p:cNvPr id="112" name="직선 연결선 111"/>
-            <p:cNvCxnSpPr>
-              <a:endCxn id="111" idx="5"/>
-            </p:cNvCxnSpPr>
-            <p:nvPr/>
-          </p:nvCxnSpPr>
-          <p:spPr>
-            <a:xfrm flipH="1" flipV="1">
-              <a:off x="5982459" y="2299354"/>
-              <a:ext cx="247653" cy="212198"/>
-            </a:xfrm>
-            <a:prstGeom prst="line">
-              <a:avLst/>
-            </a:prstGeom>
-            <a:ln w="38100">
-              <a:headEnd type="stealth" w="lg" len="lg"/>
-            </a:ln>
-          </p:spPr>
-          <p:style>
-            <a:lnRef idx="1">
-              <a:schemeClr val="accent1"/>
-            </a:lnRef>
-            <a:fillRef idx="0">
-              <a:schemeClr val="accent1"/>
-            </a:fillRef>
-            <a:effectRef idx="0">
-              <a:schemeClr val="accent1"/>
-            </a:effectRef>
-            <a:fontRef idx="minor">
-              <a:schemeClr val="tx1"/>
-            </a:fontRef>
-          </p:style>
-        </p:cxnSp>
-      </p:grpSp>
-      <p:sp>
-        <p:nvSpPr>
-          <p:cNvPr id="113" name="TextBox 112"/>
-          <p:cNvSpPr txBox="1"/>
-          <p:nvPr/>
-        </p:nvSpPr>
-        <p:spPr>
-          <a:xfrm rot="20878685">
-            <a:off x="2044589" y="1842857"/>
-            <a:ext cx="1771179" cy="246221"/>
-          </a:xfrm>
-          <a:prstGeom prst="rect">
-            <a:avLst/>
-          </a:prstGeom>
-          <a:noFill/>
-        </p:spPr>
-        <p:txBody>
-          <a:bodyPr wrap="square" rtlCol="0">
-            <a:spAutoFit/>
-          </a:bodyPr>
-          <a:lstStyle/>
-          <a:p>
-            <a:pPr algn="ctr"/>
-            <a:r>
-              <a:rPr lang="ko-KR" altLang="en-US" sz="1000" dirty="0"/>
-              <a:t>권한 확인 정보</a:t>
             </a:r>
           </a:p>
         </p:txBody>

--- a/SDD 관련 자료/작업 결과물/프로그램 구조도(트랜스폼, 트랜젝션)/강의평가 질문 수정.pptx
+++ b/SDD 관련 자료/작업 결과물/프로그램 구조도(트랜스폼, 트랜젝션)/강의평가 질문 수정.pptx
@@ -2956,7 +2956,7 @@
         </p:nvSpPr>
         <p:spPr>
           <a:xfrm>
-            <a:off x="2428428" y="5905758"/>
+            <a:off x="4271532" y="5942122"/>
             <a:ext cx="1524000" cy="789709"/>
           </a:xfrm>
           <a:prstGeom prst="rect">
@@ -3393,7 +3393,7 @@
         </p:nvSpPr>
         <p:spPr>
           <a:xfrm>
-            <a:off x="5125666" y="5881519"/>
+            <a:off x="7353719" y="5938584"/>
             <a:ext cx="1524000" cy="789709"/>
           </a:xfrm>
           <a:prstGeom prst="rect">
@@ -3517,84 +3517,6 @@
               </a:rPr>
               <a:t>강의평가 질문 수정 결과 정보 출력</a:t>
             </a:r>
-          </a:p>
-        </p:txBody>
-      </p:sp>
-      <p:sp>
-        <p:nvSpPr>
-          <p:cNvPr id="12" name="직사각형 11"/>
-          <p:cNvSpPr/>
-          <p:nvPr/>
-        </p:nvSpPr>
-        <p:spPr>
-          <a:xfrm>
-            <a:off x="7519570" y="5837161"/>
-            <a:ext cx="1524000" cy="789709"/>
-          </a:xfrm>
-          <a:prstGeom prst="rect">
-            <a:avLst/>
-          </a:prstGeom>
-          <a:solidFill>
-            <a:schemeClr val="bg1"/>
-          </a:solidFill>
-          <a:ln w="38100">
-            <a:solidFill>
-              <a:schemeClr val="accent1">
-                <a:lumMod val="50000"/>
-              </a:schemeClr>
-            </a:solidFill>
-          </a:ln>
-        </p:spPr>
-        <p:style>
-          <a:lnRef idx="2">
-            <a:schemeClr val="accent1">
-              <a:shade val="50000"/>
-            </a:schemeClr>
-          </a:lnRef>
-          <a:fillRef idx="1">
-            <a:schemeClr val="accent1"/>
-          </a:fillRef>
-          <a:effectRef idx="0">
-            <a:schemeClr val="accent1"/>
-          </a:effectRef>
-          <a:fontRef idx="minor">
-            <a:schemeClr val="lt1"/>
-          </a:fontRef>
-        </p:style>
-        <p:txBody>
-          <a:bodyPr rtlCol="0" anchor="ctr"/>
-          <a:lstStyle/>
-          <a:p>
-            <a:pPr algn="ctr"/>
-            <a:r>
-              <a:rPr lang="ko-KR" altLang="en-US" sz="1100" dirty="0">
-                <a:solidFill>
-                  <a:schemeClr val="tx1"/>
-                </a:solidFill>
-              </a:rPr>
-              <a:t>강의평가 질문 </a:t>
-            </a:r>
-            <a:endParaRPr lang="en-US" altLang="ko-KR" sz="1100" dirty="0">
-              <a:solidFill>
-                <a:schemeClr val="tx1"/>
-              </a:solidFill>
-            </a:endParaRPr>
-          </a:p>
-          <a:p>
-            <a:pPr algn="ctr"/>
-            <a:r>
-              <a:rPr lang="ko-KR" altLang="en-US" sz="1100" dirty="0">
-                <a:solidFill>
-                  <a:schemeClr val="tx1"/>
-                </a:solidFill>
-              </a:rPr>
-              <a:t>수정 정보 저장</a:t>
-            </a:r>
-            <a:endParaRPr lang="en-US" altLang="ko-KR" sz="1100" dirty="0">
-              <a:solidFill>
-                <a:schemeClr val="tx1"/>
-              </a:solidFill>
-            </a:endParaRPr>
           </a:p>
         </p:txBody>
       </p:sp>
@@ -3681,7 +3603,7 @@
         <p:spPr>
           <a:xfrm>
             <a:off x="5657713" y="3650276"/>
-            <a:ext cx="229953" cy="2231243"/>
+            <a:ext cx="2458006" cy="2288308"/>
           </a:xfrm>
           <a:prstGeom prst="straightConnector1">
             <a:avLst/>
@@ -3716,44 +3638,8 @@
         </p:nvCxnSpPr>
         <p:spPr>
           <a:xfrm flipH="1">
-            <a:off x="3190428" y="3650276"/>
-            <a:ext cx="2467285" cy="2255482"/>
-          </a:xfrm>
-          <a:prstGeom prst="straightConnector1">
-            <a:avLst/>
-          </a:prstGeom>
-          <a:ln w="38100">
-            <a:tailEnd type="triangle"/>
-          </a:ln>
-        </p:spPr>
-        <p:style>
-          <a:lnRef idx="1">
-            <a:schemeClr val="accent1"/>
-          </a:lnRef>
-          <a:fillRef idx="0">
-            <a:schemeClr val="accent1"/>
-          </a:fillRef>
-          <a:effectRef idx="0">
-            <a:schemeClr val="accent1"/>
-          </a:effectRef>
-          <a:fontRef idx="minor">
-            <a:schemeClr val="tx1"/>
-          </a:fontRef>
-        </p:style>
-      </p:cxnSp>
-      <p:cxnSp>
-        <p:nvCxnSpPr>
-          <p:cNvPr id="28" name="직선 화살표 연결선 27"/>
-          <p:cNvCxnSpPr>
-            <a:stCxn id="8" idx="2"/>
-            <a:endCxn id="12" idx="0"/>
-          </p:cNvCxnSpPr>
-          <p:nvPr/>
-        </p:nvCxnSpPr>
-        <p:spPr>
-          <a:xfrm>
-            <a:off x="5657713" y="3650276"/>
-            <a:ext cx="2623857" cy="2186885"/>
+            <a:off x="5033532" y="3650276"/>
+            <a:ext cx="624181" cy="2291846"/>
           </a:xfrm>
           <a:prstGeom prst="straightConnector1">
             <a:avLst/>
@@ -4264,7 +4150,7 @@
         </p:nvSpPr>
         <p:spPr>
           <a:xfrm>
-            <a:off x="417755" y="5881518"/>
+            <a:off x="1806653" y="5942121"/>
             <a:ext cx="1524000" cy="789709"/>
           </a:xfrm>
           <a:prstGeom prst="rect">
@@ -4333,14 +4219,15 @@
         <p:nvCxnSpPr>
           <p:cNvPr id="50" name="직선 화살표 연결선 49"/>
           <p:cNvCxnSpPr>
+            <a:stCxn id="8" idx="2"/>
             <a:endCxn id="49" idx="0"/>
           </p:cNvCxnSpPr>
           <p:nvPr/>
         </p:nvCxnSpPr>
         <p:spPr>
           <a:xfrm flipH="1">
-            <a:off x="1179755" y="3683110"/>
-            <a:ext cx="3925810" cy="2198408"/>
+            <a:off x="2568653" y="3650276"/>
+            <a:ext cx="3089060" cy="2291845"/>
           </a:xfrm>
           <a:prstGeom prst="straightConnector1">
             <a:avLst/>
@@ -4372,7 +4259,7 @@
         </p:nvGrpSpPr>
         <p:grpSpPr>
           <a:xfrm rot="17174020">
-            <a:off x="2242163" y="4706432"/>
+            <a:off x="3717880" y="4453265"/>
             <a:ext cx="465295" cy="429840"/>
             <a:chOff x="5764817" y="2081712"/>
             <a:chExt cx="465295" cy="429840"/>
@@ -4467,8 +4354,8 @@
           <p:nvPr/>
         </p:nvSpPr>
         <p:spPr>
-          <a:xfrm rot="19869793">
-            <a:off x="1761002" y="4455822"/>
+          <a:xfrm rot="19396989">
+            <a:off x="3247118" y="4224178"/>
             <a:ext cx="1044462" cy="400110"/>
           </a:xfrm>
           <a:prstGeom prst="rect">
@@ -4744,139 +4631,13 @@
       </p:sp>
       <p:grpSp>
         <p:nvGrpSpPr>
-          <p:cNvPr id="73" name="그룹 72"/>
-          <p:cNvGrpSpPr/>
-          <p:nvPr/>
-        </p:nvGrpSpPr>
-        <p:grpSpPr>
-          <a:xfrm rot="2138159">
-            <a:off x="5069839" y="1683296"/>
-            <a:ext cx="465295" cy="429840"/>
-            <a:chOff x="5764817" y="2081712"/>
-            <a:chExt cx="465295" cy="429840"/>
-          </a:xfrm>
-        </p:grpSpPr>
-        <p:sp>
-          <p:nvSpPr>
-            <p:cNvPr id="74" name="타원 73"/>
-            <p:cNvSpPr/>
-            <p:nvPr/>
-          </p:nvSpPr>
-          <p:spPr>
-            <a:xfrm>
-              <a:off x="5764817" y="2081712"/>
-              <a:ext cx="254984" cy="254984"/>
-            </a:xfrm>
-            <a:prstGeom prst="ellipse">
-              <a:avLst/>
-            </a:prstGeom>
-            <a:noFill/>
-            <a:ln w="38100">
-              <a:solidFill>
-                <a:schemeClr val="accent1"/>
-              </a:solidFill>
-            </a:ln>
-          </p:spPr>
-          <p:style>
-            <a:lnRef idx="2">
-              <a:schemeClr val="accent1">
-                <a:shade val="50000"/>
-              </a:schemeClr>
-            </a:lnRef>
-            <a:fillRef idx="1">
-              <a:schemeClr val="accent1"/>
-            </a:fillRef>
-            <a:effectRef idx="0">
-              <a:schemeClr val="accent1"/>
-            </a:effectRef>
-            <a:fontRef idx="minor">
-              <a:schemeClr val="lt1"/>
-            </a:fontRef>
-          </p:style>
-          <p:txBody>
-            <a:bodyPr rtlCol="0" anchor="ctr"/>
-            <a:lstStyle/>
-            <a:p>
-              <a:pPr algn="ctr"/>
-              <a:endParaRPr lang="ko-KR" altLang="en-US"/>
-            </a:p>
-          </p:txBody>
-        </p:sp>
-        <p:cxnSp>
-          <p:nvCxnSpPr>
-            <p:cNvPr id="75" name="직선 연결선 74"/>
-            <p:cNvCxnSpPr>
-              <a:endCxn id="74" idx="5"/>
-            </p:cNvCxnSpPr>
-            <p:nvPr/>
-          </p:nvCxnSpPr>
-          <p:spPr>
-            <a:xfrm flipH="1" flipV="1">
-              <a:off x="5982459" y="2299354"/>
-              <a:ext cx="247653" cy="212198"/>
-            </a:xfrm>
-            <a:prstGeom prst="line">
-              <a:avLst/>
-            </a:prstGeom>
-            <a:ln w="38100">
-              <a:headEnd type="stealth" w="lg" len="lg"/>
-            </a:ln>
-          </p:spPr>
-          <p:style>
-            <a:lnRef idx="1">
-              <a:schemeClr val="accent1"/>
-            </a:lnRef>
-            <a:fillRef idx="0">
-              <a:schemeClr val="accent1"/>
-            </a:fillRef>
-            <a:effectRef idx="0">
-              <a:schemeClr val="accent1"/>
-            </a:effectRef>
-            <a:fontRef idx="minor">
-              <a:schemeClr val="tx1"/>
-            </a:fontRef>
-          </p:style>
-        </p:cxnSp>
-      </p:grpSp>
-      <p:sp>
-        <p:nvSpPr>
-          <p:cNvPr id="76" name="TextBox 75"/>
-          <p:cNvSpPr txBox="1"/>
-          <p:nvPr/>
-        </p:nvSpPr>
-        <p:spPr>
-          <a:xfrm rot="20850890">
-            <a:off x="3490823" y="1882857"/>
-            <a:ext cx="1771179" cy="246221"/>
-          </a:xfrm>
-          <a:prstGeom prst="rect">
-            <a:avLst/>
-          </a:prstGeom>
-          <a:noFill/>
-        </p:spPr>
-        <p:txBody>
-          <a:bodyPr wrap="square" rtlCol="0">
-            <a:spAutoFit/>
-          </a:bodyPr>
-          <a:lstStyle/>
-          <a:p>
-            <a:pPr algn="ctr"/>
-            <a:r>
-              <a:rPr lang="ko-KR" altLang="en-US" sz="1000" dirty="0"/>
-              <a:t>강의평가 질문 리스트 정보</a:t>
-            </a:r>
-          </a:p>
-        </p:txBody>
-      </p:sp>
-      <p:grpSp>
-        <p:nvGrpSpPr>
           <p:cNvPr id="77" name="그룹 76"/>
           <p:cNvGrpSpPr/>
           <p:nvPr/>
         </p:nvGrpSpPr>
         <p:grpSpPr>
-          <a:xfrm rot="5400000">
-            <a:off x="3934697" y="4579586"/>
+          <a:xfrm rot="3999006">
+            <a:off x="4996831" y="4250541"/>
             <a:ext cx="465295" cy="429840"/>
             <a:chOff x="5764817" y="2081712"/>
             <a:chExt cx="465295" cy="429840"/>
@@ -4971,8 +4732,8 @@
           <p:nvPr/>
         </p:nvGrpSpPr>
         <p:grpSpPr>
-          <a:xfrm rot="5400000">
-            <a:off x="3269426" y="5209208"/>
+          <a:xfrm rot="3837784">
+            <a:off x="4778590" y="5085291"/>
             <a:ext cx="465295" cy="429840"/>
             <a:chOff x="5764817" y="2081712"/>
             <a:chExt cx="465295" cy="429840"/>
@@ -5067,8 +4828,8 @@
           <p:nvPr/>
         </p:nvSpPr>
         <p:spPr>
-          <a:xfrm rot="18807714">
-            <a:off x="3136566" y="4397730"/>
+          <a:xfrm rot="17390647">
+            <a:off x="4051567" y="4272516"/>
             <a:ext cx="1702075" cy="400110"/>
           </a:xfrm>
           <a:prstGeom prst="rect">
@@ -5105,8 +4866,8 @@
           <p:nvPr/>
         </p:nvSpPr>
         <p:spPr>
-          <a:xfrm rot="18769496">
-            <a:off x="2431870" y="5013763"/>
+          <a:xfrm rot="17179591">
+            <a:off x="3789047" y="5129713"/>
             <a:ext cx="1771179" cy="400110"/>
           </a:xfrm>
           <a:prstGeom prst="rect">
@@ -5143,8 +4904,8 @@
           <p:nvPr/>
         </p:nvGrpSpPr>
         <p:grpSpPr>
-          <a:xfrm rot="2312195">
-            <a:off x="5405958" y="4945426"/>
+          <a:xfrm>
+            <a:off x="6658041" y="4901364"/>
             <a:ext cx="465295" cy="429840"/>
             <a:chOff x="5764817" y="2081712"/>
             <a:chExt cx="465295" cy="429840"/>
@@ -5239,8 +5000,8 @@
           <p:nvPr/>
         </p:nvSpPr>
         <p:spPr>
-          <a:xfrm rot="4814430">
-            <a:off x="4474106" y="5060074"/>
+          <a:xfrm rot="2396927">
+            <a:off x="5844718" y="5208093"/>
             <a:ext cx="1771179" cy="246221"/>
           </a:xfrm>
           <a:prstGeom prst="rect">
@@ -5258,140 +5019,6 @@
             <a:r>
               <a:rPr lang="ko-KR" altLang="en-US" sz="1000" dirty="0"/>
               <a:t>권한 정보</a:t>
-            </a:r>
-          </a:p>
-        </p:txBody>
-      </p:sp>
-      <p:grpSp>
-        <p:nvGrpSpPr>
-          <p:cNvPr id="90" name="그룹 89"/>
-          <p:cNvGrpSpPr/>
-          <p:nvPr/>
-        </p:nvGrpSpPr>
-        <p:grpSpPr>
-          <a:xfrm rot="16200000">
-            <a:off x="4012974" y="4998897"/>
-            <a:ext cx="465295" cy="429840"/>
-            <a:chOff x="5764817" y="2081712"/>
-            <a:chExt cx="465295" cy="429840"/>
-          </a:xfrm>
-        </p:grpSpPr>
-        <p:sp>
-          <p:nvSpPr>
-            <p:cNvPr id="91" name="타원 90"/>
-            <p:cNvSpPr/>
-            <p:nvPr/>
-          </p:nvSpPr>
-          <p:spPr>
-            <a:xfrm>
-              <a:off x="5764817" y="2081712"/>
-              <a:ext cx="254984" cy="254984"/>
-            </a:xfrm>
-            <a:prstGeom prst="ellipse">
-              <a:avLst/>
-            </a:prstGeom>
-            <a:noFill/>
-            <a:ln w="38100">
-              <a:solidFill>
-                <a:schemeClr val="accent1"/>
-              </a:solidFill>
-            </a:ln>
-          </p:spPr>
-          <p:style>
-            <a:lnRef idx="2">
-              <a:schemeClr val="accent1">
-                <a:shade val="50000"/>
-              </a:schemeClr>
-            </a:lnRef>
-            <a:fillRef idx="1">
-              <a:schemeClr val="accent1"/>
-            </a:fillRef>
-            <a:effectRef idx="0">
-              <a:schemeClr val="accent1"/>
-            </a:effectRef>
-            <a:fontRef idx="minor">
-              <a:schemeClr val="lt1"/>
-            </a:fontRef>
-          </p:style>
-          <p:txBody>
-            <a:bodyPr rtlCol="0" anchor="ctr"/>
-            <a:lstStyle/>
-            <a:p>
-              <a:pPr algn="ctr"/>
-              <a:endParaRPr lang="ko-KR" altLang="en-US"/>
-            </a:p>
-          </p:txBody>
-        </p:sp>
-        <p:cxnSp>
-          <p:nvCxnSpPr>
-            <p:cNvPr id="92" name="직선 연결선 91"/>
-            <p:cNvCxnSpPr>
-              <a:endCxn id="91" idx="5"/>
-            </p:cNvCxnSpPr>
-            <p:nvPr/>
-          </p:nvCxnSpPr>
-          <p:spPr>
-            <a:xfrm flipH="1" flipV="1">
-              <a:off x="5982459" y="2299354"/>
-              <a:ext cx="247653" cy="212198"/>
-            </a:xfrm>
-            <a:prstGeom prst="line">
-              <a:avLst/>
-            </a:prstGeom>
-            <a:ln w="38100">
-              <a:headEnd type="stealth" w="lg" len="lg"/>
-            </a:ln>
-          </p:spPr>
-          <p:style>
-            <a:lnRef idx="1">
-              <a:schemeClr val="accent1"/>
-            </a:lnRef>
-            <a:fillRef idx="0">
-              <a:schemeClr val="accent1"/>
-            </a:fillRef>
-            <a:effectRef idx="0">
-              <a:schemeClr val="accent1"/>
-            </a:effectRef>
-            <a:fontRef idx="minor">
-              <a:schemeClr val="tx1"/>
-            </a:fontRef>
-          </p:style>
-        </p:cxnSp>
-      </p:grpSp>
-      <p:sp>
-        <p:nvSpPr>
-          <p:cNvPr id="93" name="TextBox 92"/>
-          <p:cNvSpPr txBox="1"/>
-          <p:nvPr/>
-        </p:nvSpPr>
-        <p:spPr>
-          <a:xfrm rot="18928931">
-            <a:off x="3587222" y="5298522"/>
-            <a:ext cx="1702075" cy="400110"/>
-          </a:xfrm>
-          <a:prstGeom prst="rect">
-            <a:avLst/>
-          </a:prstGeom>
-          <a:noFill/>
-        </p:spPr>
-        <p:txBody>
-          <a:bodyPr wrap="square" rtlCol="0">
-            <a:spAutoFit/>
-          </a:bodyPr>
-          <a:lstStyle/>
-          <a:p>
-            <a:pPr algn="ctr"/>
-            <a:r>
-              <a:rPr lang="ko-KR" altLang="en-US" sz="1000" dirty="0"/>
-              <a:t>수정된 강의평가 </a:t>
-            </a:r>
-            <a:endParaRPr lang="en-US" altLang="ko-KR" sz="1000" dirty="0"/>
-          </a:p>
-          <a:p>
-            <a:pPr algn="ctr"/>
-            <a:r>
-              <a:rPr lang="ko-KR" altLang="en-US" sz="1000" dirty="0"/>
-              <a:t>질문 리스트 정보</a:t>
             </a:r>
           </a:p>
         </p:txBody>
@@ -5403,8 +5030,8 @@
           <p:nvPr/>
         </p:nvGrpSpPr>
         <p:grpSpPr>
-          <a:xfrm rot="13070857">
-            <a:off x="5712390" y="4663769"/>
+          <a:xfrm rot="10800000">
+            <a:off x="6946615" y="4525912"/>
             <a:ext cx="465295" cy="429840"/>
             <a:chOff x="5764817" y="2081712"/>
             <a:chExt cx="465295" cy="429840"/>
@@ -5501,8 +5128,8 @@
           <p:nvPr/>
         </p:nvSpPr>
         <p:spPr>
-          <a:xfrm rot="4841670">
-            <a:off x="5319100" y="4806090"/>
+          <a:xfrm rot="2572568">
+            <a:off x="6541712" y="4474675"/>
             <a:ext cx="1771179" cy="246221"/>
           </a:xfrm>
           <a:prstGeom prst="rect">
@@ -5690,7 +5317,7 @@
         </p:nvGrpSpPr>
         <p:grpSpPr>
           <a:xfrm rot="2212458">
-            <a:off x="5214433" y="2304497"/>
+            <a:off x="5112785" y="1950641"/>
             <a:ext cx="465295" cy="429840"/>
             <a:chOff x="5764817" y="2081712"/>
             <a:chExt cx="465295" cy="429840"/>
@@ -5786,7 +5413,7 @@
         </p:nvSpPr>
         <p:spPr>
           <a:xfrm rot="20850890">
-            <a:off x="4083047" y="2362797"/>
+            <a:off x="3796682" y="2110783"/>
             <a:ext cx="1771179" cy="246221"/>
           </a:xfrm>
           <a:prstGeom prst="rect">
@@ -5804,140 +5431,6 @@
             <a:r>
               <a:rPr lang="ko-KR" altLang="en-US" sz="1000" dirty="0"/>
               <a:t>권한 정보</a:t>
-            </a:r>
-          </a:p>
-        </p:txBody>
-      </p:sp>
-      <p:grpSp>
-        <p:nvGrpSpPr>
-          <p:cNvPr id="125" name="그룹 124"/>
-          <p:cNvGrpSpPr/>
-          <p:nvPr/>
-        </p:nvGrpSpPr>
-        <p:grpSpPr>
-          <a:xfrm>
-            <a:off x="6730675" y="4807638"/>
-            <a:ext cx="465295" cy="429840"/>
-            <a:chOff x="5764817" y="2081712"/>
-            <a:chExt cx="465295" cy="429840"/>
-          </a:xfrm>
-        </p:grpSpPr>
-        <p:sp>
-          <p:nvSpPr>
-            <p:cNvPr id="126" name="타원 125"/>
-            <p:cNvSpPr/>
-            <p:nvPr/>
-          </p:nvSpPr>
-          <p:spPr>
-            <a:xfrm>
-              <a:off x="5764817" y="2081712"/>
-              <a:ext cx="254984" cy="254984"/>
-            </a:xfrm>
-            <a:prstGeom prst="ellipse">
-              <a:avLst/>
-            </a:prstGeom>
-            <a:noFill/>
-            <a:ln w="38100">
-              <a:solidFill>
-                <a:schemeClr val="accent1"/>
-              </a:solidFill>
-            </a:ln>
-          </p:spPr>
-          <p:style>
-            <a:lnRef idx="2">
-              <a:schemeClr val="accent1">
-                <a:shade val="50000"/>
-              </a:schemeClr>
-            </a:lnRef>
-            <a:fillRef idx="1">
-              <a:schemeClr val="accent1"/>
-            </a:fillRef>
-            <a:effectRef idx="0">
-              <a:schemeClr val="accent1"/>
-            </a:effectRef>
-            <a:fontRef idx="minor">
-              <a:schemeClr val="lt1"/>
-            </a:fontRef>
-          </p:style>
-          <p:txBody>
-            <a:bodyPr rtlCol="0" anchor="ctr"/>
-            <a:lstStyle/>
-            <a:p>
-              <a:pPr algn="ctr"/>
-              <a:endParaRPr lang="ko-KR" altLang="en-US"/>
-            </a:p>
-          </p:txBody>
-        </p:sp>
-        <p:cxnSp>
-          <p:nvCxnSpPr>
-            <p:cNvPr id="127" name="직선 연결선 126"/>
-            <p:cNvCxnSpPr>
-              <a:endCxn id="126" idx="5"/>
-            </p:cNvCxnSpPr>
-            <p:nvPr/>
-          </p:nvCxnSpPr>
-          <p:spPr>
-            <a:xfrm flipH="1" flipV="1">
-              <a:off x="5982459" y="2299354"/>
-              <a:ext cx="247653" cy="212198"/>
-            </a:xfrm>
-            <a:prstGeom prst="line">
-              <a:avLst/>
-            </a:prstGeom>
-            <a:ln w="38100">
-              <a:headEnd type="stealth" w="lg" len="lg"/>
-            </a:ln>
-          </p:spPr>
-          <p:style>
-            <a:lnRef idx="1">
-              <a:schemeClr val="accent1"/>
-            </a:lnRef>
-            <a:fillRef idx="0">
-              <a:schemeClr val="accent1"/>
-            </a:fillRef>
-            <a:effectRef idx="0">
-              <a:schemeClr val="accent1"/>
-            </a:effectRef>
-            <a:fontRef idx="minor">
-              <a:schemeClr val="tx1"/>
-            </a:fontRef>
-          </p:style>
-        </p:cxnSp>
-      </p:grpSp>
-      <p:sp>
-        <p:nvSpPr>
-          <p:cNvPr id="131" name="TextBox 130"/>
-          <p:cNvSpPr txBox="1"/>
-          <p:nvPr/>
-        </p:nvSpPr>
-        <p:spPr>
-          <a:xfrm rot="2454777">
-            <a:off x="5977346" y="5147106"/>
-            <a:ext cx="1702075" cy="400110"/>
-          </a:xfrm>
-          <a:prstGeom prst="rect">
-            <a:avLst/>
-          </a:prstGeom>
-          <a:noFill/>
-        </p:spPr>
-        <p:txBody>
-          <a:bodyPr wrap="square" rtlCol="0">
-            <a:spAutoFit/>
-          </a:bodyPr>
-          <a:lstStyle/>
-          <a:p>
-            <a:pPr algn="ctr"/>
-            <a:r>
-              <a:rPr lang="ko-KR" altLang="en-US" sz="1000" dirty="0"/>
-              <a:t>수정된 강의평가 </a:t>
-            </a:r>
-            <a:endParaRPr lang="en-US" altLang="ko-KR" sz="1000" dirty="0"/>
-          </a:p>
-          <a:p>
-            <a:pPr algn="ctr"/>
-            <a:r>
-              <a:rPr lang="ko-KR" altLang="en-US" sz="1000" dirty="0"/>
-              <a:t>질문 리스트 정보</a:t>
             </a:r>
           </a:p>
         </p:txBody>
@@ -5949,8 +5442,8 @@
           <p:nvPr/>
         </p:nvGrpSpPr>
         <p:grpSpPr>
-          <a:xfrm rot="16015997">
-            <a:off x="4681482" y="4397289"/>
+          <a:xfrm rot="14654563">
+            <a:off x="5239123" y="5013347"/>
             <a:ext cx="465295" cy="429840"/>
             <a:chOff x="5764817" y="2081712"/>
             <a:chExt cx="465295" cy="429840"/>
@@ -6047,8 +5540,8 @@
           <p:nvPr/>
         </p:nvSpPr>
         <p:spPr>
-          <a:xfrm rot="18910369">
-            <a:off x="4199609" y="4642786"/>
+          <a:xfrm rot="16894171">
+            <a:off x="4852793" y="5143710"/>
             <a:ext cx="1771179" cy="246221"/>
           </a:xfrm>
           <a:prstGeom prst="rect">

--- a/SDD 관련 자료/작업 결과물/프로그램 구조도(트랜스폼, 트랜젝션)/강의평가 질문 수정.pptx
+++ b/SDD 관련 자료/작업 결과물/프로그램 구조도(트랜스폼, 트랜젝션)/강의평가 질문 수정.pptx
@@ -241,7 +241,7 @@
           <a:p>
             <a:fld id="{3986BE0A-BBFD-44DD-968D-54267A93D188}" type="datetimeFigureOut">
               <a:rPr lang="ko-KR" altLang="en-US" smtClean="0"/>
-              <a:t>2016-05-31</a:t>
+              <a:t>2016-06-01</a:t>
             </a:fld>
             <a:endParaRPr lang="ko-KR" altLang="en-US"/>
           </a:p>
@@ -409,7 +409,7 @@
           <a:p>
             <a:fld id="{3986BE0A-BBFD-44DD-968D-54267A93D188}" type="datetimeFigureOut">
               <a:rPr lang="ko-KR" altLang="en-US" smtClean="0"/>
-              <a:t>2016-05-31</a:t>
+              <a:t>2016-06-01</a:t>
             </a:fld>
             <a:endParaRPr lang="ko-KR" altLang="en-US"/>
           </a:p>
@@ -587,7 +587,7 @@
           <a:p>
             <a:fld id="{3986BE0A-BBFD-44DD-968D-54267A93D188}" type="datetimeFigureOut">
               <a:rPr lang="ko-KR" altLang="en-US" smtClean="0"/>
-              <a:t>2016-05-31</a:t>
+              <a:t>2016-06-01</a:t>
             </a:fld>
             <a:endParaRPr lang="ko-KR" altLang="en-US"/>
           </a:p>
@@ -755,7 +755,7 @@
           <a:p>
             <a:fld id="{3986BE0A-BBFD-44DD-968D-54267A93D188}" type="datetimeFigureOut">
               <a:rPr lang="ko-KR" altLang="en-US" smtClean="0"/>
-              <a:t>2016-05-31</a:t>
+              <a:t>2016-06-01</a:t>
             </a:fld>
             <a:endParaRPr lang="ko-KR" altLang="en-US"/>
           </a:p>
@@ -1000,7 +1000,7 @@
           <a:p>
             <a:fld id="{3986BE0A-BBFD-44DD-968D-54267A93D188}" type="datetimeFigureOut">
               <a:rPr lang="ko-KR" altLang="en-US" smtClean="0"/>
-              <a:t>2016-05-31</a:t>
+              <a:t>2016-06-01</a:t>
             </a:fld>
             <a:endParaRPr lang="ko-KR" altLang="en-US"/>
           </a:p>
@@ -1229,7 +1229,7 @@
           <a:p>
             <a:fld id="{3986BE0A-BBFD-44DD-968D-54267A93D188}" type="datetimeFigureOut">
               <a:rPr lang="ko-KR" altLang="en-US" smtClean="0"/>
-              <a:t>2016-05-31</a:t>
+              <a:t>2016-06-01</a:t>
             </a:fld>
             <a:endParaRPr lang="ko-KR" altLang="en-US"/>
           </a:p>
@@ -1593,7 +1593,7 @@
           <a:p>
             <a:fld id="{3986BE0A-BBFD-44DD-968D-54267A93D188}" type="datetimeFigureOut">
               <a:rPr lang="ko-KR" altLang="en-US" smtClean="0"/>
-              <a:t>2016-05-31</a:t>
+              <a:t>2016-06-01</a:t>
             </a:fld>
             <a:endParaRPr lang="ko-KR" altLang="en-US"/>
           </a:p>
@@ -1710,7 +1710,7 @@
           <a:p>
             <a:fld id="{3986BE0A-BBFD-44DD-968D-54267A93D188}" type="datetimeFigureOut">
               <a:rPr lang="ko-KR" altLang="en-US" smtClean="0"/>
-              <a:t>2016-05-31</a:t>
+              <a:t>2016-06-01</a:t>
             </a:fld>
             <a:endParaRPr lang="ko-KR" altLang="en-US"/>
           </a:p>
@@ -1805,7 +1805,7 @@
           <a:p>
             <a:fld id="{3986BE0A-BBFD-44DD-968D-54267A93D188}" type="datetimeFigureOut">
               <a:rPr lang="ko-KR" altLang="en-US" smtClean="0"/>
-              <a:t>2016-05-31</a:t>
+              <a:t>2016-06-01</a:t>
             </a:fld>
             <a:endParaRPr lang="ko-KR" altLang="en-US"/>
           </a:p>
@@ -2080,7 +2080,7 @@
           <a:p>
             <a:fld id="{3986BE0A-BBFD-44DD-968D-54267A93D188}" type="datetimeFigureOut">
               <a:rPr lang="ko-KR" altLang="en-US" smtClean="0"/>
-              <a:t>2016-05-31</a:t>
+              <a:t>2016-06-01</a:t>
             </a:fld>
             <a:endParaRPr lang="ko-KR" altLang="en-US"/>
           </a:p>
@@ -2332,7 +2332,7 @@
           <a:p>
             <a:fld id="{3986BE0A-BBFD-44DD-968D-54267A93D188}" type="datetimeFigureOut">
               <a:rPr lang="ko-KR" altLang="en-US" smtClean="0"/>
-              <a:t>2016-05-31</a:t>
+              <a:t>2016-06-01</a:t>
             </a:fld>
             <a:endParaRPr lang="ko-KR" altLang="en-US"/>
           </a:p>
@@ -2543,7 +2543,7 @@
           <a:p>
             <a:fld id="{3986BE0A-BBFD-44DD-968D-54267A93D188}" type="datetimeFigureOut">
               <a:rPr lang="ko-KR" altLang="en-US" smtClean="0"/>
-              <a:t>2016-05-31</a:t>
+              <a:t>2016-06-01</a:t>
             </a:fld>
             <a:endParaRPr lang="ko-KR" altLang="en-US"/>
           </a:p>
@@ -3011,12 +3011,12 @@
           <a:p>
             <a:pPr algn="ctr"/>
             <a:r>
-              <a:rPr lang="ko-KR" altLang="en-US" sz="1100" dirty="0">
+              <a:rPr lang="ko-KR" altLang="en-US" sz="1100">
                 <a:solidFill>
                   <a:schemeClr val="tx1"/>
                 </a:solidFill>
               </a:rPr>
-              <a:t>수정</a:t>
+              <a:t>정보 수정</a:t>
             </a:r>
             <a:r>
               <a:rPr lang="en-US" altLang="ko-KR" sz="1100" dirty="0">
@@ -3026,19 +3026,6 @@
               </a:rPr>
               <a:t> </a:t>
             </a:r>
-            <a:r>
-              <a:rPr lang="ko-KR" altLang="en-US" sz="1100" dirty="0">
-                <a:solidFill>
-                  <a:schemeClr val="tx1"/>
-                </a:solidFill>
-              </a:rPr>
-              <a:t>처리</a:t>
-            </a:r>
-            <a:endParaRPr lang="en-US" altLang="ko-KR" sz="1100" dirty="0">
-              <a:solidFill>
-                <a:schemeClr val="tx1"/>
-              </a:solidFill>
-            </a:endParaRPr>
           </a:p>
         </p:txBody>
       </p:sp>
@@ -3380,7 +3367,7 @@
                   <a:schemeClr val="tx1"/>
                 </a:solidFill>
               </a:rPr>
-              <a:t>수정 변환</a:t>
+              <a:t>수정 처리</a:t>
             </a:r>
           </a:p>
         </p:txBody>

--- a/SDD 관련 자료/작업 결과물/프로그램 구조도(트랜스폼, 트랜젝션)/강의평가 질문 수정.pptx
+++ b/SDD 관련 자료/작업 결과물/프로그램 구조도(트랜스폼, 트랜젝션)/강의평가 질문 수정.pptx
@@ -5133,7 +5133,7 @@
             <a:pPr algn="ctr"/>
             <a:r>
               <a:rPr lang="ko-KR" altLang="en-US" sz="1000" dirty="0"/>
-              <a:t>권한 여부</a:t>
+              <a:t>권한 확인 정보</a:t>
             </a:r>
           </a:p>
         </p:txBody>
@@ -5291,7 +5291,7 @@
             <a:pPr algn="ctr"/>
             <a:r>
               <a:rPr lang="ko-KR" altLang="en-US" sz="1000" dirty="0"/>
-              <a:t>권한  여부</a:t>
+              <a:t>권한  확인 정보</a:t>
             </a:r>
           </a:p>
         </p:txBody>
@@ -5528,8 +5528,8 @@
         </p:nvSpPr>
         <p:spPr>
           <a:xfrm rot="16894171">
-            <a:off x="4852793" y="5143710"/>
-            <a:ext cx="1771179" cy="246221"/>
+            <a:off x="4852793" y="5066766"/>
+            <a:ext cx="1771179" cy="400110"/>
           </a:xfrm>
           <a:prstGeom prst="rect">
             <a:avLst/>
@@ -5545,7 +5545,15 @@
             <a:pPr algn="ctr"/>
             <a:r>
               <a:rPr lang="ko-KR" altLang="en-US" sz="1000" dirty="0"/>
-              <a:t>수정 결과 여부</a:t>
+              <a:t>강의평가 질문 수정 </a:t>
+            </a:r>
+            <a:endParaRPr lang="en-US" altLang="ko-KR" sz="1000" dirty="0"/>
+          </a:p>
+          <a:p>
+            <a:pPr algn="ctr"/>
+            <a:r>
+              <a:rPr lang="ko-KR" altLang="en-US" sz="1000" dirty="0"/>
+              <a:t>성공 여부</a:t>
             </a:r>
           </a:p>
         </p:txBody>
@@ -5656,8 +5664,8 @@
         </p:nvSpPr>
         <p:spPr>
           <a:xfrm rot="4841670">
-            <a:off x="5168204" y="2192676"/>
-            <a:ext cx="1771179" cy="246221"/>
+            <a:off x="5168204" y="2115732"/>
+            <a:ext cx="1771179" cy="400110"/>
           </a:xfrm>
           <a:prstGeom prst="rect">
             <a:avLst/>
@@ -5673,7 +5681,15 @@
             <a:pPr algn="ctr"/>
             <a:r>
               <a:rPr lang="ko-KR" altLang="en-US" sz="1000" dirty="0"/>
-              <a:t>수정 결과 정보</a:t>
+              <a:t>강의평가 질문 수정 </a:t>
+            </a:r>
+            <a:endParaRPr lang="en-US" altLang="ko-KR" sz="1000" dirty="0"/>
+          </a:p>
+          <a:p>
+            <a:pPr algn="ctr"/>
+            <a:r>
+              <a:rPr lang="ko-KR" altLang="en-US" sz="1000" dirty="0"/>
+              <a:t>성공 여부</a:t>
             </a:r>
           </a:p>
         </p:txBody>
@@ -5686,8 +5702,8 @@
         </p:nvSpPr>
         <p:spPr>
           <a:xfrm rot="977810">
-            <a:off x="7664966" y="902122"/>
-            <a:ext cx="1771179" cy="246221"/>
+            <a:off x="7664966" y="825178"/>
+            <a:ext cx="1771179" cy="400110"/>
           </a:xfrm>
           <a:prstGeom prst="rect">
             <a:avLst/>
@@ -5703,7 +5719,15 @@
             <a:pPr algn="ctr"/>
             <a:r>
               <a:rPr lang="ko-KR" altLang="en-US" sz="1000" dirty="0"/>
-              <a:t>질문 수정 결과 여부</a:t>
+              <a:t>강의평가 질문 수정 </a:t>
+            </a:r>
+            <a:endParaRPr lang="en-US" altLang="ko-KR" sz="1000" dirty="0"/>
+          </a:p>
+          <a:p>
+            <a:pPr algn="ctr"/>
+            <a:r>
+              <a:rPr lang="ko-KR" altLang="en-US" sz="1000" dirty="0"/>
+              <a:t>성공 여부</a:t>
             </a:r>
           </a:p>
         </p:txBody>
@@ -6051,6 +6075,9 @@
             <a:chOff x="5764817" y="2081712"/>
             <a:chExt cx="465295" cy="429840"/>
           </a:xfrm>
+          <a:solidFill>
+            <a:schemeClr val="accent1"/>
+          </a:solidFill>
         </p:grpSpPr>
         <p:sp>
           <p:nvSpPr>
@@ -6066,7 +6093,7 @@
             <a:prstGeom prst="ellipse">
               <a:avLst/>
             </a:prstGeom>
-            <a:noFill/>
+            <a:grpFill/>
             <a:ln w="38100">
               <a:solidFill>
                 <a:schemeClr val="accent1"/>
@@ -6114,6 +6141,7 @@
             <a:prstGeom prst="line">
               <a:avLst/>
             </a:prstGeom>
+            <a:grpFill/>
             <a:ln w="38100">
               <a:headEnd type="stealth" w="lg" len="lg"/>
             </a:ln>

--- a/SDD 관련 자료/작업 결과물/프로그램 구조도(트랜스폼, 트랜젝션)/강의평가 질문 수정.pptx
+++ b/SDD 관련 자료/작업 결과물/프로그램 구조도(트랜스폼, 트랜젝션)/강의평가 질문 수정.pptx
@@ -5830,140 +5830,6 @@
       </p:grpSp>
       <p:grpSp>
         <p:nvGrpSpPr>
-          <p:cNvPr id="161" name="그룹 160"/>
-          <p:cNvGrpSpPr/>
-          <p:nvPr/>
-        </p:nvGrpSpPr>
-        <p:grpSpPr>
-          <a:xfrm rot="3353776">
-            <a:off x="9330836" y="3317068"/>
-            <a:ext cx="465295" cy="429840"/>
-            <a:chOff x="5764817" y="2081712"/>
-            <a:chExt cx="465295" cy="429840"/>
-          </a:xfrm>
-        </p:grpSpPr>
-        <p:sp>
-          <p:nvSpPr>
-            <p:cNvPr id="162" name="타원 161"/>
-            <p:cNvSpPr/>
-            <p:nvPr/>
-          </p:nvSpPr>
-          <p:spPr>
-            <a:xfrm>
-              <a:off x="5764817" y="2081712"/>
-              <a:ext cx="254984" cy="254984"/>
-            </a:xfrm>
-            <a:prstGeom prst="ellipse">
-              <a:avLst/>
-            </a:prstGeom>
-            <a:noFill/>
-            <a:ln w="38100">
-              <a:solidFill>
-                <a:schemeClr val="accent1"/>
-              </a:solidFill>
-            </a:ln>
-          </p:spPr>
-          <p:style>
-            <a:lnRef idx="2">
-              <a:schemeClr val="accent1">
-                <a:shade val="50000"/>
-              </a:schemeClr>
-            </a:lnRef>
-            <a:fillRef idx="1">
-              <a:schemeClr val="accent1"/>
-            </a:fillRef>
-            <a:effectRef idx="0">
-              <a:schemeClr val="accent1"/>
-            </a:effectRef>
-            <a:fontRef idx="minor">
-              <a:schemeClr val="lt1"/>
-            </a:fontRef>
-          </p:style>
-          <p:txBody>
-            <a:bodyPr rtlCol="0" anchor="ctr"/>
-            <a:lstStyle/>
-            <a:p>
-              <a:pPr algn="ctr"/>
-              <a:endParaRPr lang="ko-KR" altLang="en-US"/>
-            </a:p>
-          </p:txBody>
-        </p:sp>
-        <p:cxnSp>
-          <p:nvCxnSpPr>
-            <p:cNvPr id="163" name="직선 연결선 162"/>
-            <p:cNvCxnSpPr>
-              <a:endCxn id="162" idx="5"/>
-            </p:cNvCxnSpPr>
-            <p:nvPr/>
-          </p:nvCxnSpPr>
-          <p:spPr>
-            <a:xfrm flipH="1" flipV="1">
-              <a:off x="5982459" y="2299354"/>
-              <a:ext cx="247653" cy="212198"/>
-            </a:xfrm>
-            <a:prstGeom prst="line">
-              <a:avLst/>
-            </a:prstGeom>
-            <a:ln w="38100">
-              <a:headEnd type="stealth" w="lg" len="lg"/>
-            </a:ln>
-          </p:spPr>
-          <p:style>
-            <a:lnRef idx="1">
-              <a:schemeClr val="accent1"/>
-            </a:lnRef>
-            <a:fillRef idx="0">
-              <a:schemeClr val="accent1"/>
-            </a:fillRef>
-            <a:effectRef idx="0">
-              <a:schemeClr val="accent1"/>
-            </a:effectRef>
-            <a:fontRef idx="minor">
-              <a:schemeClr val="tx1"/>
-            </a:fontRef>
-          </p:style>
-        </p:cxnSp>
-      </p:grpSp>
-      <p:sp>
-        <p:nvSpPr>
-          <p:cNvPr id="164" name="TextBox 163"/>
-          <p:cNvSpPr txBox="1"/>
-          <p:nvPr/>
-        </p:nvSpPr>
-        <p:spPr>
-          <a:xfrm rot="16909908">
-            <a:off x="8344484" y="3182630"/>
-            <a:ext cx="1771179" cy="400110"/>
-          </a:xfrm>
-          <a:prstGeom prst="rect">
-            <a:avLst/>
-          </a:prstGeom>
-          <a:noFill/>
-        </p:spPr>
-        <p:txBody>
-          <a:bodyPr wrap="square" rtlCol="0">
-            <a:spAutoFit/>
-          </a:bodyPr>
-          <a:lstStyle/>
-          <a:p>
-            <a:pPr algn="ctr"/>
-            <a:r>
-              <a:rPr lang="ko-KR" altLang="en-US" sz="1000" dirty="0"/>
-              <a:t>강의평가 질문 수정 </a:t>
-            </a:r>
-            <a:endParaRPr lang="en-US" altLang="ko-KR" sz="1000" dirty="0"/>
-          </a:p>
-          <a:p>
-            <a:pPr algn="ctr"/>
-            <a:r>
-              <a:rPr lang="ko-KR" altLang="en-US" sz="1000" dirty="0"/>
-              <a:t>결과 정보</a:t>
-            </a:r>
-          </a:p>
-        </p:txBody>
-      </p:sp>
-      <p:grpSp>
-        <p:nvGrpSpPr>
           <p:cNvPr id="165" name="그룹 164"/>
           <p:cNvGrpSpPr/>
           <p:nvPr/>
@@ -6189,6 +6055,541 @@
               <a:rPr lang="ko-KR" altLang="en-US" sz="1000" dirty="0"/>
               <a:t>권한 확인 오류 정보</a:t>
             </a:r>
+          </a:p>
+        </p:txBody>
+      </p:sp>
+      <p:grpSp>
+        <p:nvGrpSpPr>
+          <p:cNvPr id="90" name="그룹 89"/>
+          <p:cNvGrpSpPr/>
+          <p:nvPr/>
+        </p:nvGrpSpPr>
+        <p:grpSpPr>
+          <a:xfrm rot="2745418">
+            <a:off x="8792948" y="3579793"/>
+            <a:ext cx="465295" cy="429840"/>
+            <a:chOff x="5764817" y="2081712"/>
+            <a:chExt cx="465295" cy="429840"/>
+          </a:xfrm>
+          <a:solidFill>
+            <a:schemeClr val="accent1"/>
+          </a:solidFill>
+        </p:grpSpPr>
+        <p:sp>
+          <p:nvSpPr>
+            <p:cNvPr id="91" name="타원 90"/>
+            <p:cNvSpPr/>
+            <p:nvPr/>
+          </p:nvSpPr>
+          <p:spPr>
+            <a:xfrm>
+              <a:off x="5764817" y="2081712"/>
+              <a:ext cx="254984" cy="254984"/>
+            </a:xfrm>
+            <a:prstGeom prst="ellipse">
+              <a:avLst/>
+            </a:prstGeom>
+            <a:grpFill/>
+            <a:ln w="38100">
+              <a:solidFill>
+                <a:schemeClr val="accent1"/>
+              </a:solidFill>
+            </a:ln>
+          </p:spPr>
+          <p:style>
+            <a:lnRef idx="2">
+              <a:schemeClr val="accent1">
+                <a:shade val="50000"/>
+              </a:schemeClr>
+            </a:lnRef>
+            <a:fillRef idx="1">
+              <a:schemeClr val="accent1"/>
+            </a:fillRef>
+            <a:effectRef idx="0">
+              <a:schemeClr val="accent1"/>
+            </a:effectRef>
+            <a:fontRef idx="minor">
+              <a:schemeClr val="lt1"/>
+            </a:fontRef>
+          </p:style>
+          <p:txBody>
+            <a:bodyPr rtlCol="0" anchor="ctr"/>
+            <a:lstStyle/>
+            <a:p>
+              <a:pPr algn="ctr"/>
+              <a:endParaRPr lang="ko-KR" altLang="en-US"/>
+            </a:p>
+          </p:txBody>
+        </p:sp>
+        <p:cxnSp>
+          <p:nvCxnSpPr>
+            <p:cNvPr id="92" name="직선 연결선 91"/>
+            <p:cNvCxnSpPr>
+              <a:endCxn id="91" idx="5"/>
+            </p:cNvCxnSpPr>
+            <p:nvPr/>
+          </p:nvCxnSpPr>
+          <p:spPr>
+            <a:xfrm flipH="1" flipV="1">
+              <a:off x="5982459" y="2299354"/>
+              <a:ext cx="247653" cy="212198"/>
+            </a:xfrm>
+            <a:prstGeom prst="line">
+              <a:avLst/>
+            </a:prstGeom>
+            <a:grpFill/>
+            <a:ln w="38100">
+              <a:headEnd type="stealth" w="lg" len="lg"/>
+            </a:ln>
+          </p:spPr>
+          <p:style>
+            <a:lnRef idx="1">
+              <a:schemeClr val="accent1"/>
+            </a:lnRef>
+            <a:fillRef idx="0">
+              <a:schemeClr val="accent1"/>
+            </a:fillRef>
+            <a:effectRef idx="0">
+              <a:schemeClr val="accent1"/>
+            </a:effectRef>
+            <a:fontRef idx="minor">
+              <a:schemeClr val="tx1"/>
+            </a:fontRef>
+          </p:style>
+        </p:cxnSp>
+      </p:grpSp>
+      <p:sp>
+        <p:nvSpPr>
+          <p:cNvPr id="93" name="TextBox 92"/>
+          <p:cNvSpPr txBox="1"/>
+          <p:nvPr/>
+        </p:nvSpPr>
+        <p:spPr>
+          <a:xfrm rot="5070385">
+            <a:off x="8423924" y="3271560"/>
+            <a:ext cx="1771179" cy="400110"/>
+          </a:xfrm>
+          <a:prstGeom prst="rect">
+            <a:avLst/>
+          </a:prstGeom>
+          <a:noFill/>
+        </p:spPr>
+        <p:txBody>
+          <a:bodyPr wrap="square" rtlCol="0">
+            <a:spAutoFit/>
+          </a:bodyPr>
+          <a:lstStyle/>
+          <a:p>
+            <a:pPr algn="ctr"/>
+            <a:r>
+              <a:rPr lang="ko-KR" altLang="en-US" sz="1000" dirty="0"/>
+              <a:t>강의평가 질문 수정 </a:t>
+            </a:r>
+            <a:endParaRPr lang="en-US" altLang="ko-KR" sz="1000" dirty="0"/>
+          </a:p>
+          <a:p>
+            <a:pPr algn="ctr"/>
+            <a:r>
+              <a:rPr lang="ko-KR" altLang="en-US" sz="1000" dirty="0"/>
+              <a:t>성공 여부</a:t>
+            </a:r>
+          </a:p>
+        </p:txBody>
+      </p:sp>
+      <p:grpSp>
+        <p:nvGrpSpPr>
+          <p:cNvPr id="94" name="그룹 93"/>
+          <p:cNvGrpSpPr/>
+          <p:nvPr/>
+        </p:nvGrpSpPr>
+        <p:grpSpPr>
+          <a:xfrm rot="2876911">
+            <a:off x="8375976" y="3275011"/>
+            <a:ext cx="465295" cy="429840"/>
+            <a:chOff x="5764817" y="2081712"/>
+            <a:chExt cx="465295" cy="429840"/>
+          </a:xfrm>
+        </p:grpSpPr>
+        <p:sp>
+          <p:nvSpPr>
+            <p:cNvPr id="95" name="타원 94"/>
+            <p:cNvSpPr/>
+            <p:nvPr/>
+          </p:nvSpPr>
+          <p:spPr>
+            <a:xfrm>
+              <a:off x="5764817" y="2081712"/>
+              <a:ext cx="254984" cy="254984"/>
+            </a:xfrm>
+            <a:prstGeom prst="ellipse">
+              <a:avLst/>
+            </a:prstGeom>
+            <a:noFill/>
+            <a:ln w="38100">
+              <a:solidFill>
+                <a:schemeClr val="accent1"/>
+              </a:solidFill>
+            </a:ln>
+          </p:spPr>
+          <p:style>
+            <a:lnRef idx="2">
+              <a:schemeClr val="accent1">
+                <a:shade val="50000"/>
+              </a:schemeClr>
+            </a:lnRef>
+            <a:fillRef idx="1">
+              <a:schemeClr val="accent1"/>
+            </a:fillRef>
+            <a:effectRef idx="0">
+              <a:schemeClr val="accent1"/>
+            </a:effectRef>
+            <a:fontRef idx="minor">
+              <a:schemeClr val="lt1"/>
+            </a:fontRef>
+          </p:style>
+          <p:txBody>
+            <a:bodyPr rtlCol="0" anchor="ctr"/>
+            <a:lstStyle/>
+            <a:p>
+              <a:pPr algn="ctr"/>
+              <a:endParaRPr lang="ko-KR" altLang="en-US"/>
+            </a:p>
+          </p:txBody>
+        </p:sp>
+        <p:cxnSp>
+          <p:nvCxnSpPr>
+            <p:cNvPr id="96" name="직선 연결선 95"/>
+            <p:cNvCxnSpPr>
+              <a:endCxn id="95" idx="5"/>
+            </p:cNvCxnSpPr>
+            <p:nvPr/>
+          </p:nvCxnSpPr>
+          <p:spPr>
+            <a:xfrm flipH="1" flipV="1">
+              <a:off x="5982459" y="2299354"/>
+              <a:ext cx="247653" cy="212198"/>
+            </a:xfrm>
+            <a:prstGeom prst="line">
+              <a:avLst/>
+            </a:prstGeom>
+            <a:ln w="38100">
+              <a:headEnd type="stealth" w="lg" len="lg"/>
+            </a:ln>
+          </p:spPr>
+          <p:style>
+            <a:lnRef idx="1">
+              <a:schemeClr val="accent1"/>
+            </a:lnRef>
+            <a:fillRef idx="0">
+              <a:schemeClr val="accent1"/>
+            </a:fillRef>
+            <a:effectRef idx="0">
+              <a:schemeClr val="accent1"/>
+            </a:effectRef>
+            <a:fontRef idx="minor">
+              <a:schemeClr val="tx1"/>
+            </a:fontRef>
+          </p:style>
+        </p:cxnSp>
+      </p:grpSp>
+      <p:sp>
+        <p:nvSpPr>
+          <p:cNvPr id="97" name="TextBox 96"/>
+          <p:cNvSpPr txBox="1"/>
+          <p:nvPr/>
+        </p:nvSpPr>
+        <p:spPr>
+          <a:xfrm rot="5273838">
+            <a:off x="7447965" y="3581503"/>
+            <a:ext cx="1771179" cy="246221"/>
+          </a:xfrm>
+          <a:prstGeom prst="rect">
+            <a:avLst/>
+          </a:prstGeom>
+          <a:noFill/>
+        </p:spPr>
+        <p:txBody>
+          <a:bodyPr wrap="square" rtlCol="0">
+            <a:spAutoFit/>
+          </a:bodyPr>
+          <a:lstStyle/>
+          <a:p>
+            <a:pPr algn="ctr"/>
+            <a:r>
+              <a:rPr lang="ko-KR" altLang="en-US" sz="1000" dirty="0" smtClean="0"/>
+              <a:t>강의평가 결과 정보</a:t>
+            </a:r>
+            <a:endParaRPr lang="ko-KR" altLang="en-US" sz="1000" dirty="0"/>
+          </a:p>
+        </p:txBody>
+      </p:sp>
+      <p:grpSp>
+        <p:nvGrpSpPr>
+          <p:cNvPr id="106" name="그룹 105"/>
+          <p:cNvGrpSpPr/>
+          <p:nvPr/>
+        </p:nvGrpSpPr>
+        <p:grpSpPr>
+          <a:xfrm rot="14365066">
+            <a:off x="5428642" y="4160047"/>
+            <a:ext cx="465295" cy="429840"/>
+            <a:chOff x="5764817" y="2081712"/>
+            <a:chExt cx="465295" cy="429840"/>
+          </a:xfrm>
+        </p:grpSpPr>
+        <p:sp>
+          <p:nvSpPr>
+            <p:cNvPr id="107" name="타원 106"/>
+            <p:cNvSpPr/>
+            <p:nvPr/>
+          </p:nvSpPr>
+          <p:spPr>
+            <a:xfrm>
+              <a:off x="5764817" y="2081712"/>
+              <a:ext cx="254984" cy="254984"/>
+            </a:xfrm>
+            <a:prstGeom prst="ellipse">
+              <a:avLst/>
+            </a:prstGeom>
+            <a:noFill/>
+            <a:ln w="38100">
+              <a:solidFill>
+                <a:schemeClr val="accent1"/>
+              </a:solidFill>
+            </a:ln>
+          </p:spPr>
+          <p:style>
+            <a:lnRef idx="2">
+              <a:schemeClr val="accent1">
+                <a:shade val="50000"/>
+              </a:schemeClr>
+            </a:lnRef>
+            <a:fillRef idx="1">
+              <a:schemeClr val="accent1"/>
+            </a:fillRef>
+            <a:effectRef idx="0">
+              <a:schemeClr val="accent1"/>
+            </a:effectRef>
+            <a:fontRef idx="minor">
+              <a:schemeClr val="lt1"/>
+            </a:fontRef>
+          </p:style>
+          <p:txBody>
+            <a:bodyPr rtlCol="0" anchor="ctr"/>
+            <a:lstStyle/>
+            <a:p>
+              <a:pPr algn="ctr"/>
+              <a:endParaRPr lang="ko-KR" altLang="en-US"/>
+            </a:p>
+          </p:txBody>
+        </p:sp>
+        <p:cxnSp>
+          <p:nvCxnSpPr>
+            <p:cNvPr id="108" name="직선 연결선 107"/>
+            <p:cNvCxnSpPr>
+              <a:endCxn id="107" idx="5"/>
+            </p:cNvCxnSpPr>
+            <p:nvPr/>
+          </p:nvCxnSpPr>
+          <p:spPr>
+            <a:xfrm flipH="1" flipV="1">
+              <a:off x="5982459" y="2299354"/>
+              <a:ext cx="247653" cy="212198"/>
+            </a:xfrm>
+            <a:prstGeom prst="line">
+              <a:avLst/>
+            </a:prstGeom>
+            <a:ln w="38100">
+              <a:headEnd type="stealth" w="lg" len="lg"/>
+            </a:ln>
+          </p:spPr>
+          <p:style>
+            <a:lnRef idx="1">
+              <a:schemeClr val="accent1"/>
+            </a:lnRef>
+            <a:fillRef idx="0">
+              <a:schemeClr val="accent1"/>
+            </a:fillRef>
+            <a:effectRef idx="0">
+              <a:schemeClr val="accent1"/>
+            </a:effectRef>
+            <a:fontRef idx="minor">
+              <a:schemeClr val="tx1"/>
+            </a:fontRef>
+          </p:style>
+        </p:cxnSp>
+      </p:grpSp>
+      <p:sp>
+        <p:nvSpPr>
+          <p:cNvPr id="109" name="TextBox 108"/>
+          <p:cNvSpPr txBox="1"/>
+          <p:nvPr/>
+        </p:nvSpPr>
+        <p:spPr>
+          <a:xfrm rot="16761993">
+            <a:off x="5034707" y="4154054"/>
+            <a:ext cx="1771179" cy="400110"/>
+          </a:xfrm>
+          <a:prstGeom prst="rect">
+            <a:avLst/>
+          </a:prstGeom>
+          <a:noFill/>
+        </p:spPr>
+        <p:txBody>
+          <a:bodyPr wrap="square" rtlCol="0">
+            <a:spAutoFit/>
+          </a:bodyPr>
+          <a:lstStyle/>
+          <a:p>
+            <a:pPr algn="ctr"/>
+            <a:r>
+              <a:rPr lang="ko-KR" altLang="en-US" sz="1000" dirty="0" smtClean="0"/>
+              <a:t>강의평가</a:t>
+            </a:r>
+            <a:endParaRPr lang="en-US" altLang="ko-KR" sz="1000" dirty="0" smtClean="0"/>
+          </a:p>
+          <a:p>
+            <a:pPr algn="ctr"/>
+            <a:r>
+              <a:rPr lang="ko-KR" altLang="en-US" sz="1000" dirty="0" smtClean="0"/>
+              <a:t> 결과 정보</a:t>
+            </a:r>
+            <a:endParaRPr lang="ko-KR" altLang="en-US" sz="1000" dirty="0"/>
+          </a:p>
+        </p:txBody>
+      </p:sp>
+      <p:grpSp>
+        <p:nvGrpSpPr>
+          <p:cNvPr id="111" name="그룹 110"/>
+          <p:cNvGrpSpPr/>
+          <p:nvPr/>
+        </p:nvGrpSpPr>
+        <p:grpSpPr>
+          <a:xfrm rot="19567798">
+            <a:off x="7435695" y="1338444"/>
+            <a:ext cx="465295" cy="429840"/>
+            <a:chOff x="5764817" y="2081712"/>
+            <a:chExt cx="465295" cy="429840"/>
+          </a:xfrm>
+        </p:grpSpPr>
+        <p:sp>
+          <p:nvSpPr>
+            <p:cNvPr id="112" name="타원 111"/>
+            <p:cNvSpPr/>
+            <p:nvPr/>
+          </p:nvSpPr>
+          <p:spPr>
+            <a:xfrm>
+              <a:off x="5764817" y="2081712"/>
+              <a:ext cx="254984" cy="254984"/>
+            </a:xfrm>
+            <a:prstGeom prst="ellipse">
+              <a:avLst/>
+            </a:prstGeom>
+            <a:noFill/>
+            <a:ln w="38100">
+              <a:solidFill>
+                <a:schemeClr val="accent1"/>
+              </a:solidFill>
+            </a:ln>
+          </p:spPr>
+          <p:style>
+            <a:lnRef idx="2">
+              <a:schemeClr val="accent1">
+                <a:shade val="50000"/>
+              </a:schemeClr>
+            </a:lnRef>
+            <a:fillRef idx="1">
+              <a:schemeClr val="accent1"/>
+            </a:fillRef>
+            <a:effectRef idx="0">
+              <a:schemeClr val="accent1"/>
+            </a:effectRef>
+            <a:fontRef idx="minor">
+              <a:schemeClr val="lt1"/>
+            </a:fontRef>
+          </p:style>
+          <p:txBody>
+            <a:bodyPr rtlCol="0" anchor="ctr"/>
+            <a:lstStyle/>
+            <a:p>
+              <a:pPr algn="ctr"/>
+              <a:endParaRPr lang="ko-KR" altLang="en-US"/>
+            </a:p>
+          </p:txBody>
+        </p:sp>
+        <p:cxnSp>
+          <p:nvCxnSpPr>
+            <p:cNvPr id="113" name="직선 연결선 112"/>
+            <p:cNvCxnSpPr>
+              <a:endCxn id="112" idx="5"/>
+            </p:cNvCxnSpPr>
+            <p:nvPr/>
+          </p:nvCxnSpPr>
+          <p:spPr>
+            <a:xfrm flipH="1" flipV="1">
+              <a:off x="5982459" y="2299354"/>
+              <a:ext cx="247653" cy="212198"/>
+            </a:xfrm>
+            <a:prstGeom prst="line">
+              <a:avLst/>
+            </a:prstGeom>
+            <a:ln w="38100">
+              <a:headEnd type="stealth" w="lg" len="lg"/>
+            </a:ln>
+          </p:spPr>
+          <p:style>
+            <a:lnRef idx="1">
+              <a:schemeClr val="accent1"/>
+            </a:lnRef>
+            <a:fillRef idx="0">
+              <a:schemeClr val="accent1"/>
+            </a:fillRef>
+            <a:effectRef idx="0">
+              <a:schemeClr val="accent1"/>
+            </a:effectRef>
+            <a:fontRef idx="minor">
+              <a:schemeClr val="tx1"/>
+            </a:fontRef>
+          </p:style>
+        </p:cxnSp>
+      </p:grpSp>
+      <p:sp>
+        <p:nvSpPr>
+          <p:cNvPr id="114" name="TextBox 113"/>
+          <p:cNvSpPr txBox="1"/>
+          <p:nvPr/>
+        </p:nvSpPr>
+        <p:spPr>
+          <a:xfrm rot="364725">
+            <a:off x="6727346" y="1648942"/>
+            <a:ext cx="1771179" cy="400110"/>
+          </a:xfrm>
+          <a:prstGeom prst="rect">
+            <a:avLst/>
+          </a:prstGeom>
+          <a:noFill/>
+        </p:spPr>
+        <p:txBody>
+          <a:bodyPr wrap="square" rtlCol="0">
+            <a:spAutoFit/>
+          </a:bodyPr>
+          <a:lstStyle/>
+          <a:p>
+            <a:pPr algn="ctr"/>
+            <a:r>
+              <a:rPr lang="ko-KR" altLang="en-US" sz="1000" dirty="0" smtClean="0"/>
+              <a:t>강의평가</a:t>
+            </a:r>
+            <a:endParaRPr lang="en-US" altLang="ko-KR" sz="1000" dirty="0" smtClean="0"/>
+          </a:p>
+          <a:p>
+            <a:pPr algn="ctr"/>
+            <a:r>
+              <a:rPr lang="ko-KR" altLang="en-US" sz="1000" dirty="0" smtClean="0"/>
+              <a:t> 결과 정보</a:t>
+            </a:r>
+            <a:endParaRPr lang="ko-KR" altLang="en-US" sz="1000" dirty="0"/>
           </a:p>
         </p:txBody>
       </p:sp>
